--- a/02.GIT.Homitsevich.pptx
+++ b/02.GIT.Homitsevich.pptx
@@ -266,6 +266,11 @@
       </a:defRPr>
     </a:lvl9pPr>
   </p:defaultTextStyle>
+  <p:extLst>
+    <p:ext uri="{EFAFB233-063F-42B5-8137-9DF3F51BA10A}">
+      <p15:sldGuideLst xmlns:p15="http://schemas.microsoft.com/office/powerpoint/2012/main"/>
+    </p:ext>
+  </p:extLst>
 </p:presentation>
 </file>
 
@@ -7694,10 +7699,10 @@
               <a:buChar char="●"/>
             </a:pPr>
             <a:r>
-              <a:rPr lang="en-GB"/>
+              <a:rPr lang="en-GB" dirty="0"/>
               <a:t>Install</a:t>
             </a:r>
-            <a:endParaRPr/>
+            <a:endParaRPr dirty="0"/>
           </a:p>
           <a:p>
             <a:pPr marL="457200" lvl="0" indent="-342900" algn="l" rtl="0">
@@ -7711,10 +7716,14 @@
               <a:buChar char="●"/>
             </a:pPr>
             <a:r>
-              <a:rPr lang="en-GB"/>
-              <a:t>Init repo</a:t>
-            </a:r>
-            <a:endParaRPr/>
+              <a:rPr lang="en-GB" dirty="0" err="1"/>
+              <a:t>Init</a:t>
+            </a:r>
+            <a:r>
+              <a:rPr lang="en-GB" dirty="0"/>
+              <a:t> repo</a:t>
+            </a:r>
+            <a:endParaRPr dirty="0"/>
           </a:p>
           <a:p>
             <a:pPr marL="457200" lvl="0" indent="-342900" algn="l" rtl="0">
@@ -7728,10 +7737,10 @@
               <a:buChar char="●"/>
             </a:pPr>
             <a:r>
-              <a:rPr lang="en-GB"/>
+              <a:rPr lang="en-GB" dirty="0"/>
               <a:t>Commits</a:t>
             </a:r>
-            <a:endParaRPr/>
+            <a:endParaRPr dirty="0"/>
           </a:p>
           <a:p>
             <a:pPr marL="457200" lvl="0" indent="-342900" algn="l" rtl="0">
@@ -7745,10 +7754,10 @@
               <a:buChar char="●"/>
             </a:pPr>
             <a:r>
-              <a:rPr lang="en-GB"/>
+              <a:rPr lang="en-GB" dirty="0"/>
               <a:t>History</a:t>
             </a:r>
-            <a:endParaRPr/>
+            <a:endParaRPr dirty="0"/>
           </a:p>
         </p:txBody>
       </p:sp>
@@ -7925,6 +7934,13 @@
   <p:clrMapOvr>
     <a:masterClrMapping/>
   </p:clrMapOvr>
+  <p:timing>
+    <p:tnLst>
+      <p:par>
+        <p:cTn id="1" dur="indefinite" restart="never" nodeType="tmRoot"/>
+      </p:par>
+    </p:tnLst>
+  </p:timing>
 </p:sld>
 </file>
 
@@ -8152,6 +8168,13 @@
   <p:clrMapOvr>
     <a:masterClrMapping/>
   </p:clrMapOvr>
+  <p:timing>
+    <p:tnLst>
+      <p:par>
+        <p:cTn id="1" dur="indefinite" restart="never" nodeType="tmRoot"/>
+      </p:par>
+    </p:tnLst>
+  </p:timing>
 </p:sld>
 </file>
 
@@ -8286,6 +8309,13 @@
   <p:clrMapOvr>
     <a:masterClrMapping/>
   </p:clrMapOvr>
+  <p:timing>
+    <p:tnLst>
+      <p:par>
+        <p:cTn id="1" dur="indefinite" restart="never" nodeType="tmRoot"/>
+      </p:par>
+    </p:tnLst>
+  </p:timing>
 </p:sld>
 </file>
 
@@ -8420,6 +8450,13 @@
   <p:clrMapOvr>
     <a:masterClrMapping/>
   </p:clrMapOvr>
+  <p:timing>
+    <p:tnLst>
+      <p:par>
+        <p:cTn id="1" dur="indefinite" restart="never" nodeType="tmRoot"/>
+      </p:par>
+    </p:tnLst>
+  </p:timing>
 </p:sld>
 </file>
 
@@ -8598,6 +8635,13 @@
   <p:clrMapOvr>
     <a:masterClrMapping/>
   </p:clrMapOvr>
+  <p:timing>
+    <p:tnLst>
+      <p:par>
+        <p:cTn id="1" dur="indefinite" restart="never" nodeType="tmRoot"/>
+      </p:par>
+    </p:tnLst>
+  </p:timing>
 </p:sld>
 </file>
 
@@ -8773,6 +8817,13 @@
   <p:clrMapOvr>
     <a:masterClrMapping/>
   </p:clrMapOvr>
+  <p:timing>
+    <p:tnLst>
+      <p:par>
+        <p:cTn id="1" dur="indefinite" restart="never" nodeType="tmRoot"/>
+      </p:par>
+    </p:tnLst>
+  </p:timing>
 </p:sld>
 </file>
 
@@ -9158,6 +9209,13 @@
   <p:clrMapOvr>
     <a:masterClrMapping/>
   </p:clrMapOvr>
+  <p:timing>
+    <p:tnLst>
+      <p:par>
+        <p:cTn id="1" dur="indefinite" restart="never" nodeType="tmRoot"/>
+      </p:par>
+    </p:tnLst>
+  </p:timing>
 </p:sld>
 </file>
 
@@ -9280,7 +9338,19 @@
             </a:r>
             <a:r>
               <a:rPr lang="en-GB" dirty="0" smtClean="0"/>
-              <a:t>git</a:t>
+              <a:t>GIT</a:t>
+            </a:r>
+            <a:r>
+              <a:rPr lang="en-GB" dirty="0" smtClean="0"/>
+              <a:t>. </a:t>
+            </a:r>
+            <a:r>
+              <a:rPr lang="ru-RU" dirty="0" smtClean="0"/>
+              <a:t>Структура </a:t>
+            </a:r>
+            <a:r>
+              <a:rPr lang="en-US" dirty="0" smtClean="0"/>
+              <a:t>GIT</a:t>
             </a:r>
             <a:endParaRPr dirty="0"/>
           </a:p>
@@ -10448,11 +10518,7 @@
             </a:r>
             <a:r>
               <a:rPr lang="ru-RU" dirty="0" smtClean="0"/>
-              <a:t>. </a:t>
-            </a:r>
-            <a:r>
-              <a:rPr lang="ru-RU" dirty="0" smtClean="0"/>
-              <a:t>В 2005 </a:t>
+              <a:t>. В 2005 </a:t>
             </a:r>
             <a:r>
               <a:rPr lang="ru-RU" dirty="0"/>
@@ -10483,11 +10549,19 @@
             </a:pPr>
             <a:r>
               <a:rPr lang="ru-RU" dirty="0" smtClean="0"/>
-              <a:t>- Скорость     - Простая архитектура -</a:t>
+              <a:t>- Скорость     - Простая архитектура </a:t>
+            </a:r>
+            <a:r>
+              <a:rPr lang="en-US" dirty="0" smtClean="0"/>
+              <a:t>   </a:t>
+            </a:r>
+            <a:r>
+              <a:rPr lang="ru-RU" dirty="0" smtClean="0"/>
+              <a:t>- </a:t>
             </a:r>
             <a:r>
               <a:rPr lang="ru-RU" dirty="0"/>
-              <a:t> Полная децентрализация</a:t>
+              <a:t>Полная децентрализация</a:t>
             </a:r>
           </a:p>
           <a:p>
@@ -10603,10 +10677,14 @@
               <a:buNone/>
             </a:pPr>
             <a:r>
-              <a:rPr lang="en-GB"/>
-              <a:t>Git. Structure </a:t>
-            </a:r>
-            <a:endParaRPr/>
+              <a:rPr lang="ru-RU" dirty="0" smtClean="0"/>
+              <a:t>Структура </a:t>
+            </a:r>
+            <a:r>
+              <a:rPr lang="en-US" dirty="0" smtClean="0"/>
+              <a:t>GIT</a:t>
+            </a:r>
+            <a:endParaRPr dirty="0"/>
           </a:p>
         </p:txBody>
       </p:sp>
@@ -10622,7 +10700,7 @@
         </p:nvSpPr>
         <p:spPr>
           <a:xfrm>
-            <a:off x="311700" y="1152475"/>
+            <a:off x="311700" y="1099466"/>
             <a:ext cx="8520600" cy="3416400"/>
           </a:xfrm>
           <a:prstGeom prst="rect">
@@ -10635,55 +10713,75 @@
           </a:bodyPr>
           <a:lstStyle/>
           <a:p>
-            <a:pPr marL="457200" lvl="0" indent="-342900" algn="l" rtl="0">
-              <a:spcBef>
-                <a:spcPts val="0"/>
-              </a:spcBef>
-              <a:spcAft>
-                <a:spcPts val="0"/>
-              </a:spcAft>
-              <a:buSzPts val="1800"/>
-              <a:buChar char="●"/>
-            </a:pPr>
-            <a:r>
-              <a:rPr lang="en-GB"/>
-              <a:t>Snapshot history </a:t>
-            </a:r>
-            <a:endParaRPr/>
-          </a:p>
-          <a:p>
-            <a:pPr marL="457200" lvl="0" indent="-342900" algn="l" rtl="0">
-              <a:spcBef>
-                <a:spcPts val="0"/>
-              </a:spcBef>
-              <a:spcAft>
-                <a:spcPts val="0"/>
-              </a:spcAft>
-              <a:buSzPts val="1800"/>
-              <a:buChar char="●"/>
-            </a:pPr>
-            <a:r>
-              <a:rPr lang="en-GB"/>
-              <a:t>Independent mini filesystem</a:t>
-            </a:r>
-            <a:endParaRPr/>
-          </a:p>
-          <a:p>
-            <a:pPr marL="457200" lvl="0" indent="-342900" algn="l" rtl="0">
-              <a:spcBef>
-                <a:spcPts val="0"/>
-              </a:spcBef>
-              <a:spcAft>
-                <a:spcPts val="0"/>
-              </a:spcAft>
-              <a:buSzPts val="1800"/>
-              <a:buChar char="●"/>
-            </a:pPr>
-            <a:r>
-              <a:rPr lang="en-GB"/>
-              <a:t>It is base for famous public platform</a:t>
-            </a:r>
-            <a:endParaRPr/>
+            <a:pPr lvl="0"/>
+            <a:r>
+              <a:rPr lang="ru-RU" dirty="0"/>
+              <a:t>Хранение данных как снимков проекта во времени</a:t>
+            </a:r>
+            <a:r>
+              <a:rPr lang="ru-RU" dirty="0" smtClean="0"/>
+              <a:t>.</a:t>
+            </a:r>
+            <a:endParaRPr lang="en-US" dirty="0" smtClean="0"/>
+          </a:p>
+          <a:p>
+            <a:pPr lvl="0"/>
+            <a:r>
+              <a:rPr lang="ru-RU" dirty="0"/>
+              <a:t>Независимая мини-файловая </a:t>
+            </a:r>
+            <a:r>
+              <a:rPr lang="ru-RU" dirty="0" smtClean="0"/>
+              <a:t>система</a:t>
+            </a:r>
+            <a:r>
+              <a:rPr lang="en-US" dirty="0" smtClean="0"/>
+              <a:t> </a:t>
+            </a:r>
+            <a:r>
+              <a:rPr lang="ru-RU" dirty="0" smtClean="0"/>
+              <a:t>с</a:t>
+            </a:r>
+            <a:r>
+              <a:rPr lang="en-US" dirty="0" smtClean="0"/>
+              <a:t> </a:t>
+            </a:r>
+            <a:r>
+              <a:rPr lang="ru-RU" dirty="0" smtClean="0"/>
+              <a:t>удивительно </a:t>
+            </a:r>
+            <a:r>
+              <a:rPr lang="ru-RU" dirty="0"/>
+              <a:t>мощными </a:t>
+            </a:r>
+            <a:r>
+              <a:rPr lang="ru-RU" dirty="0" smtClean="0"/>
+              <a:t>утилитами</a:t>
+            </a:r>
+            <a:r>
+              <a:rPr lang="en-US" dirty="0"/>
+              <a:t>.</a:t>
+            </a:r>
+            <a:r>
+              <a:rPr lang="en-US" dirty="0" smtClean="0"/>
+              <a:t> </a:t>
+            </a:r>
+            <a:endParaRPr dirty="0"/>
+          </a:p>
+          <a:p>
+            <a:r>
+              <a:rPr lang="ru-RU" dirty="0"/>
+              <a:t>Почти все операции выполняются </a:t>
+            </a:r>
+            <a:r>
+              <a:rPr lang="ru-RU" dirty="0" smtClean="0"/>
+              <a:t>локально</a:t>
+            </a:r>
+            <a:r>
+              <a:rPr lang="en-US" dirty="0"/>
+              <a:t>.</a:t>
+            </a:r>
+            <a:endParaRPr lang="ru-RU" dirty="0"/>
           </a:p>
         </p:txBody>
       </p:sp>
@@ -10772,20 +10870,20 @@
           </a:bodyPr>
           <a:lstStyle/>
           <a:p>
-            <a:pPr marL="0" lvl="0" indent="0" algn="l" rtl="0">
-              <a:spcBef>
-                <a:spcPts val="0"/>
-              </a:spcBef>
-              <a:spcAft>
-                <a:spcPts val="0"/>
-              </a:spcAft>
-              <a:buNone/>
-            </a:pPr>
-            <a:r>
-              <a:rPr lang="en-GB"/>
-              <a:t>Git. States</a:t>
-            </a:r>
-            <a:endParaRPr/>
+            <a:pPr lvl="0"/>
+            <a:r>
+              <a:rPr lang="ru-RU" dirty="0" smtClean="0"/>
+              <a:t>Состояние </a:t>
+            </a:r>
+            <a:r>
+              <a:rPr lang="en-GB" dirty="0" smtClean="0"/>
+              <a:t>G</a:t>
+            </a:r>
+            <a:r>
+              <a:rPr lang="en-US" dirty="0" smtClean="0"/>
+              <a:t>IT</a:t>
+            </a:r>
+            <a:endParaRPr dirty="0"/>
           </a:p>
         </p:txBody>
       </p:sp>
@@ -10814,55 +10912,136 @@
           </a:bodyPr>
           <a:lstStyle/>
           <a:p>
-            <a:pPr marL="457200" lvl="0" indent="-342900" algn="l" rtl="0">
-              <a:spcBef>
-                <a:spcPts val="0"/>
-              </a:spcBef>
-              <a:spcAft>
-                <a:spcPts val="0"/>
-              </a:spcAft>
-              <a:buSzPts val="1800"/>
-              <a:buChar char="●"/>
-            </a:pPr>
-            <a:r>
-              <a:rPr lang="en-GB" dirty="0"/>
-              <a:t>Work</a:t>
-            </a:r>
-            <a:endParaRPr dirty="0"/>
-          </a:p>
-          <a:p>
-            <a:pPr marL="457200" lvl="0" indent="-342900" algn="l" rtl="0">
-              <a:spcBef>
-                <a:spcPts val="0"/>
-              </a:spcBef>
-              <a:spcAft>
-                <a:spcPts val="0"/>
-              </a:spcAft>
-              <a:buSzPts val="1800"/>
-              <a:buChar char="●"/>
-            </a:pPr>
-            <a:r>
-              <a:rPr lang="en-GB" dirty="0"/>
-              <a:t>Stage</a:t>
-            </a:r>
-            <a:endParaRPr dirty="0"/>
-          </a:p>
-          <a:p>
-            <a:pPr marL="457200" lvl="0" indent="-342900" algn="l" rtl="0">
-              <a:spcBef>
-                <a:spcPts val="0"/>
-              </a:spcBef>
-              <a:spcAft>
-                <a:spcPts val="0"/>
-              </a:spcAft>
-              <a:buSzPts val="1800"/>
-              <a:buChar char="●"/>
-            </a:pPr>
-            <a:r>
-              <a:rPr lang="en-GB" dirty="0"/>
-              <a:t>Local/Remote</a:t>
-            </a:r>
-            <a:endParaRPr dirty="0"/>
+            <a:pPr marL="114300" lvl="0" indent="0">
+              <a:buNone/>
+            </a:pPr>
+            <a:r>
+              <a:rPr lang="en-US" i="1" dirty="0" smtClean="0">
+                <a:latin typeface="Times New Roman" panose="02020603050405020304" pitchFamily="18" charset="0"/>
+                <a:cs typeface="Times New Roman" panose="02020603050405020304" pitchFamily="18" charset="0"/>
+              </a:rPr>
+              <a:t>1. </a:t>
+            </a:r>
+            <a:r>
+              <a:rPr lang="ru-RU" i="1" dirty="0" smtClean="0">
+                <a:latin typeface="Times New Roman" panose="02020603050405020304" pitchFamily="18" charset="0"/>
+                <a:cs typeface="Times New Roman" panose="02020603050405020304" pitchFamily="18" charset="0"/>
+              </a:rPr>
+              <a:t>подготовленное</a:t>
+            </a:r>
+            <a:r>
+              <a:rPr lang="ru-RU" dirty="0" smtClean="0">
+                <a:latin typeface="Times New Roman" panose="02020603050405020304" pitchFamily="18" charset="0"/>
+                <a:cs typeface="Times New Roman" panose="02020603050405020304" pitchFamily="18" charset="0"/>
+              </a:rPr>
+              <a:t> </a:t>
+            </a:r>
+            <a:r>
+              <a:rPr lang="ru-RU" dirty="0">
+                <a:latin typeface="Times New Roman" panose="02020603050405020304" pitchFamily="18" charset="0"/>
+                <a:cs typeface="Times New Roman" panose="02020603050405020304" pitchFamily="18" charset="0"/>
+              </a:rPr>
+              <a:t>(</a:t>
+            </a:r>
+            <a:r>
+              <a:rPr lang="en-US" dirty="0">
+                <a:latin typeface="Times New Roman" panose="02020603050405020304" pitchFamily="18" charset="0"/>
+                <a:cs typeface="Times New Roman" panose="02020603050405020304" pitchFamily="18" charset="0"/>
+              </a:rPr>
+              <a:t>staged) </a:t>
+            </a:r>
+            <a:endParaRPr lang="en-US" dirty="0" smtClean="0">
+              <a:latin typeface="Times New Roman" panose="02020603050405020304" pitchFamily="18" charset="0"/>
+              <a:cs typeface="Times New Roman" panose="02020603050405020304" pitchFamily="18" charset="0"/>
+            </a:endParaRPr>
+          </a:p>
+          <a:p>
+            <a:pPr marL="114300" lvl="0" indent="0">
+              <a:buNone/>
+            </a:pPr>
+            <a:r>
+              <a:rPr lang="en-US" i="1" dirty="0" smtClean="0">
+                <a:latin typeface="Times New Roman" panose="02020603050405020304" pitchFamily="18" charset="0"/>
+                <a:cs typeface="Times New Roman" panose="02020603050405020304" pitchFamily="18" charset="0"/>
+              </a:rPr>
+              <a:t>2. </a:t>
+            </a:r>
+            <a:r>
+              <a:rPr lang="ru-RU" i="1" dirty="0" smtClean="0">
+                <a:latin typeface="Times New Roman" panose="02020603050405020304" pitchFamily="18" charset="0"/>
+                <a:cs typeface="Times New Roman" panose="02020603050405020304" pitchFamily="18" charset="0"/>
+              </a:rPr>
+              <a:t>изменённое</a:t>
+            </a:r>
+            <a:r>
+              <a:rPr lang="ru-RU" dirty="0" smtClean="0">
+                <a:latin typeface="Times New Roman" panose="02020603050405020304" pitchFamily="18" charset="0"/>
+                <a:cs typeface="Times New Roman" panose="02020603050405020304" pitchFamily="18" charset="0"/>
+              </a:rPr>
+              <a:t> </a:t>
+            </a:r>
+            <a:r>
+              <a:rPr lang="ru-RU" dirty="0">
+                <a:latin typeface="Times New Roman" panose="02020603050405020304" pitchFamily="18" charset="0"/>
+                <a:cs typeface="Times New Roman" panose="02020603050405020304" pitchFamily="18" charset="0"/>
+              </a:rPr>
+              <a:t>(</a:t>
+            </a:r>
+            <a:r>
+              <a:rPr lang="en-US" dirty="0">
+                <a:latin typeface="Times New Roman" panose="02020603050405020304" pitchFamily="18" charset="0"/>
+                <a:cs typeface="Times New Roman" panose="02020603050405020304" pitchFamily="18" charset="0"/>
+              </a:rPr>
+              <a:t>modified)</a:t>
+            </a:r>
+            <a:endParaRPr dirty="0">
+              <a:latin typeface="Times New Roman" panose="02020603050405020304" pitchFamily="18" charset="0"/>
+              <a:cs typeface="Times New Roman" panose="02020603050405020304" pitchFamily="18" charset="0"/>
+            </a:endParaRPr>
+          </a:p>
+          <a:p>
+            <a:pPr marL="114300" lvl="0" indent="0">
+              <a:buNone/>
+            </a:pPr>
+            <a:r>
+              <a:rPr lang="en-US" i="1" dirty="0" smtClean="0">
+                <a:latin typeface="Times New Roman" panose="02020603050405020304" pitchFamily="18" charset="0"/>
+                <a:cs typeface="Times New Roman" panose="02020603050405020304" pitchFamily="18" charset="0"/>
+              </a:rPr>
+              <a:t>3. </a:t>
+            </a:r>
+            <a:r>
+              <a:rPr lang="ru-RU" i="1" dirty="0" smtClean="0">
+                <a:latin typeface="Times New Roman" panose="02020603050405020304" pitchFamily="18" charset="0"/>
+                <a:cs typeface="Times New Roman" panose="02020603050405020304" pitchFamily="18" charset="0"/>
+              </a:rPr>
+              <a:t>зафиксированное</a:t>
+            </a:r>
+            <a:r>
+              <a:rPr lang="ru-RU" dirty="0" smtClean="0">
+                <a:latin typeface="Times New Roman" panose="02020603050405020304" pitchFamily="18" charset="0"/>
+                <a:cs typeface="Times New Roman" panose="02020603050405020304" pitchFamily="18" charset="0"/>
+              </a:rPr>
+              <a:t> </a:t>
+            </a:r>
+            <a:r>
+              <a:rPr lang="ru-RU" dirty="0">
+                <a:latin typeface="Times New Roman" panose="02020603050405020304" pitchFamily="18" charset="0"/>
+                <a:cs typeface="Times New Roman" panose="02020603050405020304" pitchFamily="18" charset="0"/>
+              </a:rPr>
+              <a:t>(</a:t>
+            </a:r>
+            <a:r>
+              <a:rPr lang="en-US" dirty="0">
+                <a:latin typeface="Times New Roman" panose="02020603050405020304" pitchFamily="18" charset="0"/>
+                <a:cs typeface="Times New Roman" panose="02020603050405020304" pitchFamily="18" charset="0"/>
+              </a:rPr>
+              <a:t>committed)</a:t>
+            </a:r>
+            <a:endParaRPr dirty="0">
+              <a:latin typeface="Times New Roman" panose="02020603050405020304" pitchFamily="18" charset="0"/>
+              <a:cs typeface="Times New Roman" panose="02020603050405020304" pitchFamily="18" charset="0"/>
+            </a:endParaRPr>
           </a:p>
         </p:txBody>
       </p:sp>
@@ -10882,8 +11061,8 @@
         </p:blipFill>
         <p:spPr>
           <a:xfrm>
-            <a:off x="2416975" y="1272373"/>
-            <a:ext cx="6512724" cy="3590150"/>
+            <a:off x="3226903" y="1152475"/>
+            <a:ext cx="5749177" cy="3207490"/>
           </a:xfrm>
           <a:prstGeom prst="rect">
             <a:avLst/>

--- a/02.GIT.Homitsevich.pptx
+++ b/02.GIT.Homitsevich.pptx
@@ -5,7 +5,7 @@
     <p:sldMasterId id="2147483659" r:id="rId1"/>
   </p:sldMasterIdLst>
   <p:notesMasterIdLst>
-    <p:notesMasterId r:id="rId19"/>
+    <p:notesMasterId r:id="rId20"/>
   </p:notesMasterIdLst>
   <p:sldIdLst>
     <p:sldId id="256" r:id="rId2"/>
@@ -17,24 +17,25 @@
     <p:sldId id="258" r:id="rId8"/>
     <p:sldId id="259" r:id="rId9"/>
     <p:sldId id="260" r:id="rId10"/>
-    <p:sldId id="261" r:id="rId11"/>
-    <p:sldId id="262" r:id="rId12"/>
-    <p:sldId id="263" r:id="rId13"/>
-    <p:sldId id="264" r:id="rId14"/>
-    <p:sldId id="265" r:id="rId15"/>
-    <p:sldId id="266" r:id="rId16"/>
-    <p:sldId id="267" r:id="rId17"/>
-    <p:sldId id="268" r:id="rId18"/>
+    <p:sldId id="273" r:id="rId11"/>
+    <p:sldId id="261" r:id="rId12"/>
+    <p:sldId id="262" r:id="rId13"/>
+    <p:sldId id="263" r:id="rId14"/>
+    <p:sldId id="264" r:id="rId15"/>
+    <p:sldId id="265" r:id="rId16"/>
+    <p:sldId id="266" r:id="rId17"/>
+    <p:sldId id="267" r:id="rId18"/>
+    <p:sldId id="268" r:id="rId19"/>
   </p:sldIdLst>
   <p:sldSz cx="9144000" cy="5143500" type="screen16x9"/>
   <p:notesSz cx="6858000" cy="9144000"/>
   <p:embeddedFontLst>
     <p:embeddedFont>
       <p:font typeface="Proxima Nova" panose="020B0604020202020204" charset="0"/>
-      <p:regular r:id="rId20"/>
-      <p:bold r:id="rId21"/>
-      <p:italic r:id="rId22"/>
-      <p:boldItalic r:id="rId23"/>
+      <p:regular r:id="rId21"/>
+      <p:bold r:id="rId22"/>
+      <p:italic r:id="rId23"/>
+      <p:boldItalic r:id="rId24"/>
     </p:embeddedFont>
   </p:embeddedFontLst>
   <p:defaultTextStyle>
@@ -7609,6 +7610,305 @@
   <p:cSld>
     <p:spTree>
       <p:nvGrpSpPr>
+        <p:cNvPr id="1" name=""/>
+        <p:cNvGrpSpPr/>
+        <p:nvPr/>
+      </p:nvGrpSpPr>
+      <p:grpSpPr>
+        <a:xfrm>
+          <a:off x="0" y="0"/>
+          <a:ext cx="0" cy="0"/>
+          <a:chOff x="0" y="0"/>
+          <a:chExt cx="0" cy="0"/>
+        </a:xfrm>
+      </p:grpSpPr>
+      <p:sp>
+        <p:nvSpPr>
+          <p:cNvPr id="2" name="Заголовок 1"/>
+          <p:cNvSpPr>
+            <a:spLocks noGrp="1"/>
+          </p:cNvSpPr>
+          <p:nvPr>
+            <p:ph type="title"/>
+          </p:nvPr>
+        </p:nvSpPr>
+        <p:spPr/>
+        <p:txBody>
+          <a:bodyPr/>
+          <a:lstStyle/>
+          <a:p>
+            <a:r>
+              <a:rPr lang="ru-RU" dirty="0" smtClean="0"/>
+              <a:t>Ветвление лучшие практики</a:t>
+            </a:r>
+            <a:endParaRPr lang="ru-RU" dirty="0"/>
+          </a:p>
+        </p:txBody>
+      </p:sp>
+      <p:sp>
+        <p:nvSpPr>
+          <p:cNvPr id="3" name="Текст 2"/>
+          <p:cNvSpPr>
+            <a:spLocks noGrp="1"/>
+          </p:cNvSpPr>
+          <p:nvPr>
+            <p:ph type="body" idx="1"/>
+          </p:nvPr>
+        </p:nvSpPr>
+        <p:spPr/>
+        <p:txBody>
+          <a:bodyPr/>
+          <a:lstStyle/>
+          <a:p>
+            <a:pPr marL="114300" indent="0">
+              <a:buNone/>
+            </a:pPr>
+            <a:r>
+              <a:rPr lang="ru-RU" dirty="0" smtClean="0"/>
+              <a:t>ветк</a:t>
+            </a:r>
+            <a:r>
+              <a:rPr lang="ru-RU" dirty="0"/>
+              <a:t>а</a:t>
+            </a:r>
+            <a:r>
+              <a:rPr lang="ru-RU" dirty="0" smtClean="0"/>
+              <a:t> </a:t>
+            </a:r>
+            <a:r>
+              <a:rPr lang="ru-RU" dirty="0" err="1"/>
+              <a:t>origin</a:t>
+            </a:r>
+            <a:r>
+              <a:rPr lang="ru-RU" dirty="0"/>
+              <a:t>/</a:t>
+            </a:r>
+            <a:r>
+              <a:rPr lang="ru-RU" dirty="0" err="1"/>
+              <a:t>master</a:t>
+            </a:r>
+            <a:r>
+              <a:rPr lang="ru-RU" dirty="0"/>
+              <a:t> </a:t>
+            </a:r>
+            <a:r>
+              <a:rPr lang="ru-RU" dirty="0" smtClean="0"/>
+              <a:t>главная. Исходный </a:t>
+            </a:r>
+            <a:r>
+              <a:rPr lang="ru-RU" dirty="0"/>
+              <a:t>код </a:t>
+            </a:r>
+            <a:endParaRPr lang="ru-RU" dirty="0" smtClean="0"/>
+          </a:p>
+          <a:p>
+            <a:pPr marL="114300" indent="0">
+              <a:buNone/>
+            </a:pPr>
+            <a:r>
+              <a:rPr lang="ru-RU" dirty="0" smtClean="0"/>
+              <a:t>в </a:t>
+            </a:r>
+            <a:r>
+              <a:rPr lang="ru-RU" dirty="0"/>
+              <a:t>состоянии </a:t>
+            </a:r>
+            <a:r>
+              <a:rPr lang="ru-RU" i="1" dirty="0" err="1" smtClean="0"/>
+              <a:t>production-ready</a:t>
+            </a:r>
+            <a:r>
+              <a:rPr lang="ru-RU" dirty="0"/>
+              <a:t>.</a:t>
+            </a:r>
+            <a:endParaRPr lang="ru-RU" dirty="0" smtClean="0"/>
+          </a:p>
+          <a:p>
+            <a:pPr marL="114300" indent="0">
+              <a:buNone/>
+            </a:pPr>
+            <a:endParaRPr lang="ru-RU" dirty="0"/>
+          </a:p>
+          <a:p>
+            <a:pPr marL="114300" indent="0">
+              <a:buNone/>
+            </a:pPr>
+            <a:r>
+              <a:rPr lang="ru-RU" dirty="0"/>
+              <a:t>Ветвь </a:t>
+            </a:r>
+            <a:r>
+              <a:rPr lang="ru-RU" dirty="0" err="1" smtClean="0"/>
+              <a:t>origin</a:t>
+            </a:r>
+            <a:r>
+              <a:rPr lang="ru-RU" dirty="0" smtClean="0"/>
+              <a:t>/</a:t>
+            </a:r>
+            <a:r>
+              <a:rPr lang="ru-RU" dirty="0" err="1" smtClean="0"/>
+              <a:t>develop</a:t>
+            </a:r>
+            <a:r>
+              <a:rPr lang="ru-RU" dirty="0"/>
+              <a:t> «интеграционной</a:t>
+            </a:r>
+            <a:r>
+              <a:rPr lang="ru-RU" dirty="0" smtClean="0"/>
+              <a:t>»</a:t>
+            </a:r>
+          </a:p>
+          <a:p>
+            <a:pPr marL="114300" indent="0">
+              <a:buNone/>
+            </a:pPr>
+            <a:r>
+              <a:rPr lang="ru-RU" dirty="0" smtClean="0"/>
+              <a:t> </a:t>
+            </a:r>
+            <a:r>
+              <a:rPr lang="ru-RU" dirty="0"/>
+              <a:t>главная </a:t>
+            </a:r>
+            <a:r>
+              <a:rPr lang="ru-RU" dirty="0" smtClean="0"/>
+              <a:t>ветвь </a:t>
+            </a:r>
+            <a:r>
+              <a:rPr lang="ru-RU" dirty="0"/>
+              <a:t>для </a:t>
+            </a:r>
+            <a:r>
+              <a:rPr lang="ru-RU" dirty="0" smtClean="0"/>
+              <a:t>разработки.</a:t>
+            </a:r>
+          </a:p>
+          <a:p>
+            <a:pPr marL="114300" indent="0">
+              <a:buNone/>
+            </a:pPr>
+            <a:endParaRPr lang="ru-RU" dirty="0" smtClean="0"/>
+          </a:p>
+          <a:p>
+            <a:pPr marL="114300" indent="0">
+              <a:buNone/>
+            </a:pPr>
+            <a:r>
+              <a:rPr lang="ru-RU" dirty="0" smtClean="0"/>
+              <a:t>Вспомогательные ветви</a:t>
+            </a:r>
+            <a:endParaRPr lang="ru-RU" dirty="0"/>
+          </a:p>
+          <a:p>
+            <a:pPr marL="114300" indent="0">
+              <a:buNone/>
+            </a:pPr>
+            <a:r>
+              <a:rPr lang="ru-RU" dirty="0"/>
+              <a:t>Ветви </a:t>
+            </a:r>
+            <a:r>
+              <a:rPr lang="ru-RU" dirty="0" err="1"/>
+              <a:t>функциональностей</a:t>
+            </a:r>
+            <a:r>
+              <a:rPr lang="ru-RU" dirty="0"/>
+              <a:t> (</a:t>
+            </a:r>
+            <a:r>
+              <a:rPr lang="en-US" dirty="0"/>
+              <a:t>Feature branches)</a:t>
+            </a:r>
+          </a:p>
+          <a:p>
+            <a:pPr marL="114300" indent="0">
+              <a:buNone/>
+            </a:pPr>
+            <a:r>
+              <a:rPr lang="ru-RU" dirty="0"/>
+              <a:t>Ветви релизов (</a:t>
+            </a:r>
+            <a:r>
+              <a:rPr lang="en-US" dirty="0"/>
+              <a:t>Release branches)</a:t>
+            </a:r>
+          </a:p>
+          <a:p>
+            <a:pPr marL="114300" indent="0">
+              <a:buNone/>
+            </a:pPr>
+            <a:r>
+              <a:rPr lang="ru-RU" dirty="0"/>
+              <a:t>Ветви исправлений (</a:t>
+            </a:r>
+            <a:r>
+              <a:rPr lang="en-US" dirty="0"/>
+              <a:t>Hotfix branches)</a:t>
+            </a:r>
+          </a:p>
+          <a:p>
+            <a:pPr marL="114300" indent="0">
+              <a:buNone/>
+            </a:pPr>
+            <a:endParaRPr lang="ru-RU" dirty="0"/>
+          </a:p>
+        </p:txBody>
+      </p:sp>
+      <p:pic>
+        <p:nvPicPr>
+          <p:cNvPr id="4" name="Рисунок 3"/>
+          <p:cNvPicPr>
+            <a:picLocks noChangeAspect="1"/>
+          </p:cNvPicPr>
+          <p:nvPr/>
+        </p:nvPicPr>
+        <p:blipFill>
+          <a:blip r:embed="rId2">
+            <a:extLst>
+              <a:ext uri="{28A0092B-C50C-407E-A947-70E740481C1C}">
+                <a14:useLocalDpi xmlns:a14="http://schemas.microsoft.com/office/drawing/2010/main" val="0"/>
+              </a:ext>
+            </a:extLst>
+          </a:blip>
+          <a:stretch>
+            <a:fillRect/>
+          </a:stretch>
+        </p:blipFill>
+        <p:spPr>
+          <a:xfrm>
+            <a:off x="5420139" y="181152"/>
+            <a:ext cx="3412161" cy="4551409"/>
+          </a:xfrm>
+          <a:prstGeom prst="rect">
+            <a:avLst/>
+          </a:prstGeom>
+        </p:spPr>
+      </p:pic>
+    </p:spTree>
+    <p:extLst>
+      <p:ext uri="{BB962C8B-B14F-4D97-AF65-F5344CB8AC3E}">
+        <p14:creationId xmlns:p14="http://schemas.microsoft.com/office/powerpoint/2010/main" val="672657903"/>
+      </p:ext>
+    </p:extLst>
+  </p:cSld>
+  <p:clrMapOvr>
+    <a:masterClrMapping/>
+  </p:clrMapOvr>
+  <p:timing>
+    <p:tnLst>
+      <p:par>
+        <p:cTn id="1" dur="indefinite" restart="never" nodeType="tmRoot"/>
+      </p:par>
+    </p:tnLst>
+  </p:timing>
+</p:sld>
+</file>
+
+<file path=ppt/slides/slide11.xml><?xml version="1.0" encoding="utf-8"?>
+<p:sld xmlns:a="http://schemas.openxmlformats.org/drawingml/2006/main" xmlns:r="http://schemas.openxmlformats.org/officeDocument/2006/relationships" xmlns:p="http://schemas.openxmlformats.org/presentationml/2006/main">
+  <p:cSld>
+    <p:spTree>
+      <p:nvGrpSpPr>
         <p:cNvPr id="1" name="Shape 90"/>
         <p:cNvGrpSpPr/>
         <p:nvPr/>
@@ -7776,7 +8076,7 @@
 </p:sld>
 </file>
 
-<file path=ppt/slides/slide11.xml><?xml version="1.0" encoding="utf-8"?>
+<file path=ppt/slides/slide12.xml><?xml version="1.0" encoding="utf-8"?>
 <p:sld xmlns:a="http://schemas.openxmlformats.org/drawingml/2006/main" xmlns:r="http://schemas.openxmlformats.org/officeDocument/2006/relationships" xmlns:p="http://schemas.openxmlformats.org/presentationml/2006/main">
   <p:cSld>
     <p:spTree>
@@ -7944,7 +8244,7 @@
 </p:sld>
 </file>
 
-<file path=ppt/slides/slide12.xml><?xml version="1.0" encoding="utf-8"?>
+<file path=ppt/slides/slide13.xml><?xml version="1.0" encoding="utf-8"?>
 <p:sld xmlns:a="http://schemas.openxmlformats.org/drawingml/2006/main" xmlns:r="http://schemas.openxmlformats.org/officeDocument/2006/relationships" xmlns:p="http://schemas.openxmlformats.org/presentationml/2006/main">
   <p:cSld>
     <p:spTree>
@@ -8178,7 +8478,7 @@
 </p:sld>
 </file>
 
-<file path=ppt/slides/slide13.xml><?xml version="1.0" encoding="utf-8"?>
+<file path=ppt/slides/slide14.xml><?xml version="1.0" encoding="utf-8"?>
 <p:sld xmlns:a="http://schemas.openxmlformats.org/drawingml/2006/main" xmlns:r="http://schemas.openxmlformats.org/officeDocument/2006/relationships" xmlns:p="http://schemas.openxmlformats.org/presentationml/2006/main">
   <p:cSld>
     <p:spTree>
@@ -8319,7 +8619,7 @@
 </p:sld>
 </file>
 
-<file path=ppt/slides/slide14.xml><?xml version="1.0" encoding="utf-8"?>
+<file path=ppt/slides/slide15.xml><?xml version="1.0" encoding="utf-8"?>
 <p:sld xmlns:a="http://schemas.openxmlformats.org/drawingml/2006/main" xmlns:r="http://schemas.openxmlformats.org/officeDocument/2006/relationships" xmlns:p="http://schemas.openxmlformats.org/presentationml/2006/main">
   <p:cSld>
     <p:spTree>
@@ -8460,7 +8760,7 @@
 </p:sld>
 </file>
 
-<file path=ppt/slides/slide15.xml><?xml version="1.0" encoding="utf-8"?>
+<file path=ppt/slides/slide16.xml><?xml version="1.0" encoding="utf-8"?>
 <p:sld xmlns:a="http://schemas.openxmlformats.org/drawingml/2006/main" xmlns:r="http://schemas.openxmlformats.org/officeDocument/2006/relationships" xmlns:p="http://schemas.openxmlformats.org/presentationml/2006/main">
   <p:cSld>
     <p:spTree>
@@ -8645,7 +8945,7 @@
 </p:sld>
 </file>
 
-<file path=ppt/slides/slide16.xml><?xml version="1.0" encoding="utf-8"?>
+<file path=ppt/slides/slide17.xml><?xml version="1.0" encoding="utf-8"?>
 <p:sld xmlns:a="http://schemas.openxmlformats.org/drawingml/2006/main" xmlns:r="http://schemas.openxmlformats.org/officeDocument/2006/relationships" xmlns:p="http://schemas.openxmlformats.org/presentationml/2006/main">
   <p:cSld>
     <p:spTree>
@@ -8827,7 +9127,7 @@
 </p:sld>
 </file>
 
-<file path=ppt/slides/slide17.xml><?xml version="1.0" encoding="utf-8"?>
+<file path=ppt/slides/slide18.xml><?xml version="1.0" encoding="utf-8"?>
 <p:sld xmlns:a="http://schemas.openxmlformats.org/drawingml/2006/main" xmlns:r="http://schemas.openxmlformats.org/officeDocument/2006/relationships" xmlns:p="http://schemas.openxmlformats.org/presentationml/2006/main">
   <p:cSld>
     <p:spTree>
@@ -9338,11 +9638,7 @@
             </a:r>
             <a:r>
               <a:rPr lang="en-GB" dirty="0" smtClean="0"/>
-              <a:t>GIT</a:t>
-            </a:r>
-            <a:r>
-              <a:rPr lang="en-GB" dirty="0" smtClean="0"/>
-              <a:t>. </a:t>
+              <a:t>GIT. </a:t>
             </a:r>
             <a:r>
               <a:rPr lang="ru-RU" dirty="0" smtClean="0"/>
@@ -10912,7 +11208,7 @@
           </a:bodyPr>
           <a:lstStyle/>
           <a:p>
-            <a:pPr marL="114300" lvl="0" indent="0">
+            <a:pPr marL="114300" indent="0">
               <a:buNone/>
             </a:pPr>
             <a:r>
@@ -10923,25 +11219,58 @@
               <a:t>1. </a:t>
             </a:r>
             <a:r>
-              <a:rPr lang="ru-RU" i="1" dirty="0" smtClean="0">
+              <a:rPr lang="ru-RU" i="1" dirty="0">
+                <a:latin typeface="Times New Roman" panose="02020603050405020304" pitchFamily="18" charset="0"/>
+                <a:cs typeface="Times New Roman" panose="02020603050405020304" pitchFamily="18" charset="0"/>
+              </a:rPr>
+              <a:t>изменённое</a:t>
+            </a:r>
+            <a:r>
+              <a:rPr lang="ru-RU" dirty="0">
+                <a:latin typeface="Times New Roman" panose="02020603050405020304" pitchFamily="18" charset="0"/>
+                <a:cs typeface="Times New Roman" panose="02020603050405020304" pitchFamily="18" charset="0"/>
+              </a:rPr>
+              <a:t> (</a:t>
+            </a:r>
+            <a:r>
+              <a:rPr lang="en-US" dirty="0">
+                <a:latin typeface="Times New Roman" panose="02020603050405020304" pitchFamily="18" charset="0"/>
+                <a:cs typeface="Times New Roman" panose="02020603050405020304" pitchFamily="18" charset="0"/>
+              </a:rPr>
+              <a:t>modified)</a:t>
+            </a:r>
+          </a:p>
+          <a:p>
+            <a:pPr marL="114300" indent="0">
+              <a:buNone/>
+            </a:pPr>
+            <a:r>
+              <a:rPr lang="en-US" i="1" dirty="0" smtClean="0">
+                <a:latin typeface="Times New Roman" panose="02020603050405020304" pitchFamily="18" charset="0"/>
+                <a:cs typeface="Times New Roman" panose="02020603050405020304" pitchFamily="18" charset="0"/>
+              </a:rPr>
+              <a:t>2</a:t>
+            </a:r>
+            <a:r>
+              <a:rPr lang="en-US" i="1" dirty="0" smtClean="0">
+                <a:latin typeface="Times New Roman" panose="02020603050405020304" pitchFamily="18" charset="0"/>
+                <a:cs typeface="Times New Roman" panose="02020603050405020304" pitchFamily="18" charset="0"/>
+              </a:rPr>
+              <a:t>. </a:t>
+            </a:r>
+            <a:r>
+              <a:rPr lang="ru-RU" i="1" dirty="0">
                 <a:latin typeface="Times New Roman" panose="02020603050405020304" pitchFamily="18" charset="0"/>
                 <a:cs typeface="Times New Roman" panose="02020603050405020304" pitchFamily="18" charset="0"/>
               </a:rPr>
               <a:t>подготовленное</a:t>
             </a:r>
             <a:r>
-              <a:rPr lang="ru-RU" dirty="0" smtClean="0">
-                <a:latin typeface="Times New Roman" panose="02020603050405020304" pitchFamily="18" charset="0"/>
-                <a:cs typeface="Times New Roman" panose="02020603050405020304" pitchFamily="18" charset="0"/>
-              </a:rPr>
-              <a:t> </a:t>
-            </a:r>
-            <a:r>
               <a:rPr lang="ru-RU" dirty="0">
                 <a:latin typeface="Times New Roman" panose="02020603050405020304" pitchFamily="18" charset="0"/>
                 <a:cs typeface="Times New Roman" panose="02020603050405020304" pitchFamily="18" charset="0"/>
               </a:rPr>
-              <a:t>(</a:t>
+              <a:t> (</a:t>
             </a:r>
             <a:r>
               <a:rPr lang="en-US" dirty="0">
@@ -10950,10 +11279,6 @@
               </a:rPr>
               <a:t>staged) </a:t>
             </a:r>
-            <a:endParaRPr lang="en-US" dirty="0" smtClean="0">
-              <a:latin typeface="Times New Roman" panose="02020603050405020304" pitchFamily="18" charset="0"/>
-              <a:cs typeface="Times New Roman" panose="02020603050405020304" pitchFamily="18" charset="0"/>
-            </a:endParaRPr>
           </a:p>
           <a:p>
             <a:pPr marL="114300" lvl="0" indent="0">
@@ -10964,51 +11289,14 @@
                 <a:latin typeface="Times New Roman" panose="02020603050405020304" pitchFamily="18" charset="0"/>
                 <a:cs typeface="Times New Roman" panose="02020603050405020304" pitchFamily="18" charset="0"/>
               </a:rPr>
-              <a:t>2. </a:t>
-            </a:r>
-            <a:r>
-              <a:rPr lang="ru-RU" i="1" dirty="0" smtClean="0">
-                <a:latin typeface="Times New Roman" panose="02020603050405020304" pitchFamily="18" charset="0"/>
-                <a:cs typeface="Times New Roman" panose="02020603050405020304" pitchFamily="18" charset="0"/>
-              </a:rPr>
-              <a:t>изменённое</a:t>
-            </a:r>
-            <a:r>
-              <a:rPr lang="ru-RU" dirty="0" smtClean="0">
-                <a:latin typeface="Times New Roman" panose="02020603050405020304" pitchFamily="18" charset="0"/>
-                <a:cs typeface="Times New Roman" panose="02020603050405020304" pitchFamily="18" charset="0"/>
-              </a:rPr>
-              <a:t> </a:t>
-            </a:r>
-            <a:r>
-              <a:rPr lang="ru-RU" dirty="0">
-                <a:latin typeface="Times New Roman" panose="02020603050405020304" pitchFamily="18" charset="0"/>
-                <a:cs typeface="Times New Roman" panose="02020603050405020304" pitchFamily="18" charset="0"/>
-              </a:rPr>
-              <a:t>(</a:t>
-            </a:r>
-            <a:r>
-              <a:rPr lang="en-US" dirty="0">
-                <a:latin typeface="Times New Roman" panose="02020603050405020304" pitchFamily="18" charset="0"/>
-                <a:cs typeface="Times New Roman" panose="02020603050405020304" pitchFamily="18" charset="0"/>
-              </a:rPr>
-              <a:t>modified)</a:t>
-            </a:r>
-            <a:endParaRPr dirty="0">
-              <a:latin typeface="Times New Roman" panose="02020603050405020304" pitchFamily="18" charset="0"/>
-              <a:cs typeface="Times New Roman" panose="02020603050405020304" pitchFamily="18" charset="0"/>
-            </a:endParaRPr>
-          </a:p>
-          <a:p>
-            <a:pPr marL="114300" lvl="0" indent="0">
-              <a:buNone/>
-            </a:pPr>
+              <a:t>3</a:t>
+            </a:r>
             <a:r>
               <a:rPr lang="en-US" i="1" dirty="0" smtClean="0">
                 <a:latin typeface="Times New Roman" panose="02020603050405020304" pitchFamily="18" charset="0"/>
                 <a:cs typeface="Times New Roman" panose="02020603050405020304" pitchFamily="18" charset="0"/>
               </a:rPr>
-              <a:t>3. </a:t>
+              <a:t>. </a:t>
             </a:r>
             <a:r>
               <a:rPr lang="ru-RU" i="1" dirty="0" smtClean="0">

--- a/02.GIT.Homitsevich.pptx
+++ b/02.GIT.Homitsevich.pptx
@@ -5,7 +5,7 @@
     <p:sldMasterId id="2147483659" r:id="rId1"/>
   </p:sldMasterIdLst>
   <p:notesMasterIdLst>
-    <p:notesMasterId r:id="rId20"/>
+    <p:notesMasterId r:id="rId17"/>
   </p:notesMasterIdLst>
   <p:sldIdLst>
     <p:sldId id="256" r:id="rId2"/>
@@ -20,22 +20,19 @@
     <p:sldId id="273" r:id="rId11"/>
     <p:sldId id="261" r:id="rId12"/>
     <p:sldId id="262" r:id="rId13"/>
-    <p:sldId id="263" r:id="rId14"/>
-    <p:sldId id="264" r:id="rId15"/>
-    <p:sldId id="265" r:id="rId16"/>
-    <p:sldId id="266" r:id="rId17"/>
-    <p:sldId id="267" r:id="rId18"/>
-    <p:sldId id="268" r:id="rId19"/>
+    <p:sldId id="266" r:id="rId14"/>
+    <p:sldId id="267" r:id="rId15"/>
+    <p:sldId id="268" r:id="rId16"/>
   </p:sldIdLst>
   <p:sldSz cx="9144000" cy="5143500" type="screen16x9"/>
   <p:notesSz cx="6858000" cy="9144000"/>
   <p:embeddedFontLst>
     <p:embeddedFont>
       <p:font typeface="Proxima Nova" panose="020B0604020202020204" charset="0"/>
-      <p:regular r:id="rId21"/>
-      <p:bold r:id="rId22"/>
-      <p:italic r:id="rId23"/>
-      <p:boldItalic r:id="rId24"/>
+      <p:regular r:id="rId18"/>
+      <p:bold r:id="rId19"/>
+      <p:italic r:id="rId20"/>
+      <p:boldItalic r:id="rId21"/>
     </p:embeddedFont>
   </p:embeddedFontLst>
   <p:defaultTextStyle>
@@ -482,6 +479,11 @@
         </p:txBody>
       </p:sp>
     </p:spTree>
+    <p:extLst>
+      <p:ext uri="{BB962C8B-B14F-4D97-AF65-F5344CB8AC3E}">
+        <p14:creationId xmlns:p14="http://schemas.microsoft.com/office/powerpoint/2010/main" val="3603730422"/>
+      </p:ext>
+    </p:extLst>
   </p:cSld>
   <p:clrMap bg1="lt1" tx1="dk1" bg2="dk2" tx2="lt2" accent1="accent1" accent2="accent2" accent3="accent3" accent4="accent4" accent5="accent5" accent6="accent6" hlink="hlink" folHlink="folHlink"/>
   <p:notesStyle>
@@ -813,6 +815,11 @@
         </p:txBody>
       </p:sp>
     </p:spTree>
+    <p:extLst>
+      <p:ext uri="{BB962C8B-B14F-4D97-AF65-F5344CB8AC3E}">
+        <p14:creationId xmlns:p14="http://schemas.microsoft.com/office/powerpoint/2010/main" val="2820449854"/>
+      </p:ext>
+    </p:extLst>
   </p:cSld>
   <p:clrMapOvr>
     <a:masterClrMapping/>
@@ -821,318 +828,6 @@
 </file>
 
 <file path=ppt/notesSlides/notesSlide10.xml><?xml version="1.0" encoding="utf-8"?>
-<p:notes xmlns:a="http://schemas.openxmlformats.org/drawingml/2006/main" xmlns:r="http://schemas.openxmlformats.org/officeDocument/2006/relationships" xmlns:p="http://schemas.openxmlformats.org/presentationml/2006/main" showMasterSp="0" showMasterPhAnim="0">
-  <p:cSld>
-    <p:spTree>
-      <p:nvGrpSpPr>
-        <p:cNvPr id="1" name="Shape 112"/>
-        <p:cNvGrpSpPr/>
-        <p:nvPr/>
-      </p:nvGrpSpPr>
-      <p:grpSpPr>
-        <a:xfrm>
-          <a:off x="0" y="0"/>
-          <a:ext cx="0" cy="0"/>
-          <a:chOff x="0" y="0"/>
-          <a:chExt cx="0" cy="0"/>
-        </a:xfrm>
-      </p:grpSpPr>
-      <p:sp>
-        <p:nvSpPr>
-          <p:cNvPr id="113" name="Google Shape;113;g56170f2005_0_6:notes"/>
-          <p:cNvSpPr>
-            <a:spLocks noGrp="1" noRot="1" noChangeAspect="1"/>
-          </p:cNvSpPr>
-          <p:nvPr>
-            <p:ph type="sldImg" idx="2"/>
-          </p:nvPr>
-        </p:nvSpPr>
-        <p:spPr>
-          <a:xfrm>
-            <a:off x="381000" y="685800"/>
-            <a:ext cx="6096000" cy="3429000"/>
-          </a:xfrm>
-          <a:custGeom>
-            <a:avLst/>
-            <a:gdLst/>
-            <a:ahLst/>
-            <a:cxnLst/>
-            <a:rect l="l" t="t" r="r" b="b"/>
-            <a:pathLst>
-              <a:path w="120000" h="120000" extrusionOk="0">
-                <a:moveTo>
-                  <a:pt x="0" y="0"/>
-                </a:moveTo>
-                <a:lnTo>
-                  <a:pt x="120000" y="0"/>
-                </a:lnTo>
-                <a:lnTo>
-                  <a:pt x="120000" y="120000"/>
-                </a:lnTo>
-                <a:lnTo>
-                  <a:pt x="0" y="120000"/>
-                </a:lnTo>
-                <a:close/>
-              </a:path>
-            </a:pathLst>
-          </a:custGeom>
-        </p:spPr>
-      </p:sp>
-      <p:sp>
-        <p:nvSpPr>
-          <p:cNvPr id="114" name="Google Shape;114;g56170f2005_0_6:notes"/>
-          <p:cNvSpPr txBox="1">
-            <a:spLocks noGrp="1"/>
-          </p:cNvSpPr>
-          <p:nvPr>
-            <p:ph type="body" idx="1"/>
-          </p:nvPr>
-        </p:nvSpPr>
-        <p:spPr>
-          <a:xfrm>
-            <a:off x="685800" y="4343400"/>
-            <a:ext cx="5486400" cy="4114800"/>
-          </a:xfrm>
-          <a:prstGeom prst="rect">
-            <a:avLst/>
-          </a:prstGeom>
-        </p:spPr>
-        <p:txBody>
-          <a:bodyPr spcFirstLastPara="1" wrap="square" lIns="91425" tIns="91425" rIns="91425" bIns="91425" anchor="t" anchorCtr="0">
-            <a:noAutofit/>
-          </a:bodyPr>
-          <a:lstStyle/>
-          <a:p>
-            <a:pPr marL="0" lvl="0" indent="0" algn="l" rtl="0">
-              <a:spcBef>
-                <a:spcPts val="0"/>
-              </a:spcBef>
-              <a:spcAft>
-                <a:spcPts val="0"/>
-              </a:spcAft>
-              <a:buNone/>
-            </a:pPr>
-            <a:endParaRPr/>
-          </a:p>
-        </p:txBody>
-      </p:sp>
-    </p:spTree>
-  </p:cSld>
-  <p:clrMapOvr>
-    <a:masterClrMapping/>
-  </p:clrMapOvr>
-</p:notes>
-</file>
-
-<file path=ppt/notesSlides/notesSlide11.xml><?xml version="1.0" encoding="utf-8"?>
-<p:notes xmlns:a="http://schemas.openxmlformats.org/drawingml/2006/main" xmlns:r="http://schemas.openxmlformats.org/officeDocument/2006/relationships" xmlns:p="http://schemas.openxmlformats.org/presentationml/2006/main" showMasterSp="0" showMasterPhAnim="0">
-  <p:cSld>
-    <p:spTree>
-      <p:nvGrpSpPr>
-        <p:cNvPr id="1" name="Shape 119"/>
-        <p:cNvGrpSpPr/>
-        <p:nvPr/>
-      </p:nvGrpSpPr>
-      <p:grpSpPr>
-        <a:xfrm>
-          <a:off x="0" y="0"/>
-          <a:ext cx="0" cy="0"/>
-          <a:chOff x="0" y="0"/>
-          <a:chExt cx="0" cy="0"/>
-        </a:xfrm>
-      </p:grpSpPr>
-      <p:sp>
-        <p:nvSpPr>
-          <p:cNvPr id="120" name="Google Shape;120;g4c60e45ca6_0_38:notes"/>
-          <p:cNvSpPr>
-            <a:spLocks noGrp="1" noRot="1" noChangeAspect="1"/>
-          </p:cNvSpPr>
-          <p:nvPr>
-            <p:ph type="sldImg" idx="2"/>
-          </p:nvPr>
-        </p:nvSpPr>
-        <p:spPr>
-          <a:xfrm>
-            <a:off x="381000" y="685800"/>
-            <a:ext cx="6096000" cy="3429000"/>
-          </a:xfrm>
-          <a:custGeom>
-            <a:avLst/>
-            <a:gdLst/>
-            <a:ahLst/>
-            <a:cxnLst/>
-            <a:rect l="l" t="t" r="r" b="b"/>
-            <a:pathLst>
-              <a:path w="120000" h="120000" extrusionOk="0">
-                <a:moveTo>
-                  <a:pt x="0" y="0"/>
-                </a:moveTo>
-                <a:lnTo>
-                  <a:pt x="120000" y="0"/>
-                </a:lnTo>
-                <a:lnTo>
-                  <a:pt x="120000" y="120000"/>
-                </a:lnTo>
-                <a:lnTo>
-                  <a:pt x="0" y="120000"/>
-                </a:lnTo>
-                <a:close/>
-              </a:path>
-            </a:pathLst>
-          </a:custGeom>
-        </p:spPr>
-      </p:sp>
-      <p:sp>
-        <p:nvSpPr>
-          <p:cNvPr id="121" name="Google Shape;121;g4c60e45ca6_0_38:notes"/>
-          <p:cNvSpPr txBox="1">
-            <a:spLocks noGrp="1"/>
-          </p:cNvSpPr>
-          <p:nvPr>
-            <p:ph type="body" idx="1"/>
-          </p:nvPr>
-        </p:nvSpPr>
-        <p:spPr>
-          <a:xfrm>
-            <a:off x="685800" y="4343400"/>
-            <a:ext cx="5486400" cy="4114800"/>
-          </a:xfrm>
-          <a:prstGeom prst="rect">
-            <a:avLst/>
-          </a:prstGeom>
-        </p:spPr>
-        <p:txBody>
-          <a:bodyPr spcFirstLastPara="1" wrap="square" lIns="91425" tIns="91425" rIns="91425" bIns="91425" anchor="t" anchorCtr="0">
-            <a:noAutofit/>
-          </a:bodyPr>
-          <a:lstStyle/>
-          <a:p>
-            <a:pPr marL="0" lvl="0" indent="0" algn="l" rtl="0">
-              <a:spcBef>
-                <a:spcPts val="0"/>
-              </a:spcBef>
-              <a:spcAft>
-                <a:spcPts val="0"/>
-              </a:spcAft>
-              <a:buNone/>
-            </a:pPr>
-            <a:endParaRPr/>
-          </a:p>
-        </p:txBody>
-      </p:sp>
-    </p:spTree>
-  </p:cSld>
-  <p:clrMapOvr>
-    <a:masterClrMapping/>
-  </p:clrMapOvr>
-</p:notes>
-</file>
-
-<file path=ppt/notesSlides/notesSlide12.xml><?xml version="1.0" encoding="utf-8"?>
-<p:notes xmlns:a="http://schemas.openxmlformats.org/drawingml/2006/main" xmlns:r="http://schemas.openxmlformats.org/officeDocument/2006/relationships" xmlns:p="http://schemas.openxmlformats.org/presentationml/2006/main" showMasterSp="0" showMasterPhAnim="0">
-  <p:cSld>
-    <p:spTree>
-      <p:nvGrpSpPr>
-        <p:cNvPr id="1" name="Shape 125"/>
-        <p:cNvGrpSpPr/>
-        <p:nvPr/>
-      </p:nvGrpSpPr>
-      <p:grpSpPr>
-        <a:xfrm>
-          <a:off x="0" y="0"/>
-          <a:ext cx="0" cy="0"/>
-          <a:chOff x="0" y="0"/>
-          <a:chExt cx="0" cy="0"/>
-        </a:xfrm>
-      </p:grpSpPr>
-      <p:sp>
-        <p:nvSpPr>
-          <p:cNvPr id="126" name="Google Shape;126;g4c60e45ca6_0_44:notes"/>
-          <p:cNvSpPr>
-            <a:spLocks noGrp="1" noRot="1" noChangeAspect="1"/>
-          </p:cNvSpPr>
-          <p:nvPr>
-            <p:ph type="sldImg" idx="2"/>
-          </p:nvPr>
-        </p:nvSpPr>
-        <p:spPr>
-          <a:xfrm>
-            <a:off x="381000" y="685800"/>
-            <a:ext cx="6096000" cy="3429000"/>
-          </a:xfrm>
-          <a:custGeom>
-            <a:avLst/>
-            <a:gdLst/>
-            <a:ahLst/>
-            <a:cxnLst/>
-            <a:rect l="l" t="t" r="r" b="b"/>
-            <a:pathLst>
-              <a:path w="120000" h="120000" extrusionOk="0">
-                <a:moveTo>
-                  <a:pt x="0" y="0"/>
-                </a:moveTo>
-                <a:lnTo>
-                  <a:pt x="120000" y="0"/>
-                </a:lnTo>
-                <a:lnTo>
-                  <a:pt x="120000" y="120000"/>
-                </a:lnTo>
-                <a:lnTo>
-                  <a:pt x="0" y="120000"/>
-                </a:lnTo>
-                <a:close/>
-              </a:path>
-            </a:pathLst>
-          </a:custGeom>
-        </p:spPr>
-      </p:sp>
-      <p:sp>
-        <p:nvSpPr>
-          <p:cNvPr id="127" name="Google Shape;127;g4c60e45ca6_0_44:notes"/>
-          <p:cNvSpPr txBox="1">
-            <a:spLocks noGrp="1"/>
-          </p:cNvSpPr>
-          <p:nvPr>
-            <p:ph type="body" idx="1"/>
-          </p:nvPr>
-        </p:nvSpPr>
-        <p:spPr>
-          <a:xfrm>
-            <a:off x="685800" y="4343400"/>
-            <a:ext cx="5486400" cy="4114800"/>
-          </a:xfrm>
-          <a:prstGeom prst="rect">
-            <a:avLst/>
-          </a:prstGeom>
-        </p:spPr>
-        <p:txBody>
-          <a:bodyPr spcFirstLastPara="1" wrap="square" lIns="91425" tIns="91425" rIns="91425" bIns="91425" anchor="t" anchorCtr="0">
-            <a:noAutofit/>
-          </a:bodyPr>
-          <a:lstStyle/>
-          <a:p>
-            <a:pPr marL="0" lvl="0" indent="0" algn="l" rtl="0">
-              <a:spcBef>
-                <a:spcPts val="0"/>
-              </a:spcBef>
-              <a:spcAft>
-                <a:spcPts val="0"/>
-              </a:spcAft>
-              <a:buNone/>
-            </a:pPr>
-            <a:endParaRPr/>
-          </a:p>
-        </p:txBody>
-      </p:sp>
-    </p:spTree>
-  </p:cSld>
-  <p:clrMapOvr>
-    <a:masterClrMapping/>
-  </p:clrMapOvr>
-</p:notes>
-</file>
-
-<file path=ppt/notesSlides/notesSlide13.xml><?xml version="1.0" encoding="utf-8"?>
 <p:notes xmlns:a="http://schemas.openxmlformats.org/drawingml/2006/main" xmlns:r="http://schemas.openxmlformats.org/officeDocument/2006/relationships" xmlns:p="http://schemas.openxmlformats.org/presentationml/2006/main" showMasterSp="0" showMasterPhAnim="0">
   <p:cSld>
     <p:spTree>
@@ -1229,6 +924,11 @@
         </p:txBody>
       </p:sp>
     </p:spTree>
+    <p:extLst>
+      <p:ext uri="{BB962C8B-B14F-4D97-AF65-F5344CB8AC3E}">
+        <p14:creationId xmlns:p14="http://schemas.microsoft.com/office/powerpoint/2010/main" val="1968857625"/>
+      </p:ext>
+    </p:extLst>
   </p:cSld>
   <p:clrMapOvr>
     <a:masterClrMapping/>
@@ -1333,6 +1033,11 @@
         </p:txBody>
       </p:sp>
     </p:spTree>
+    <p:extLst>
+      <p:ext uri="{BB962C8B-B14F-4D97-AF65-F5344CB8AC3E}">
+        <p14:creationId xmlns:p14="http://schemas.microsoft.com/office/powerpoint/2010/main" val="2671398538"/>
+      </p:ext>
+    </p:extLst>
   </p:cSld>
   <p:clrMapOvr>
     <a:masterClrMapping/>
@@ -1437,6 +1142,11 @@
         </p:txBody>
       </p:sp>
     </p:spTree>
+    <p:extLst>
+      <p:ext uri="{BB962C8B-B14F-4D97-AF65-F5344CB8AC3E}">
+        <p14:creationId xmlns:p14="http://schemas.microsoft.com/office/powerpoint/2010/main" val="2825534304"/>
+      </p:ext>
+    </p:extLst>
   </p:cSld>
   <p:clrMapOvr>
     <a:masterClrMapping/>
@@ -1541,6 +1251,11 @@
         </p:txBody>
       </p:sp>
     </p:spTree>
+    <p:extLst>
+      <p:ext uri="{BB962C8B-B14F-4D97-AF65-F5344CB8AC3E}">
+        <p14:creationId xmlns:p14="http://schemas.microsoft.com/office/powerpoint/2010/main" val="2922703141"/>
+      </p:ext>
+    </p:extLst>
   </p:cSld>
   <p:clrMapOvr>
     <a:masterClrMapping/>
@@ -1645,6 +1360,11 @@
         </p:txBody>
       </p:sp>
     </p:spTree>
+    <p:extLst>
+      <p:ext uri="{BB962C8B-B14F-4D97-AF65-F5344CB8AC3E}">
+        <p14:creationId xmlns:p14="http://schemas.microsoft.com/office/powerpoint/2010/main" val="1262972704"/>
+      </p:ext>
+    </p:extLst>
   </p:cSld>
   <p:clrMapOvr>
     <a:masterClrMapping/>
@@ -1749,6 +1469,11 @@
         </p:txBody>
       </p:sp>
     </p:spTree>
+    <p:extLst>
+      <p:ext uri="{BB962C8B-B14F-4D97-AF65-F5344CB8AC3E}">
+        <p14:creationId xmlns:p14="http://schemas.microsoft.com/office/powerpoint/2010/main" val="3660361856"/>
+      </p:ext>
+    </p:extLst>
   </p:cSld>
   <p:clrMapOvr>
     <a:masterClrMapping/>
@@ -1853,6 +1578,11 @@
         </p:txBody>
       </p:sp>
     </p:spTree>
+    <p:extLst>
+      <p:ext uri="{BB962C8B-B14F-4D97-AF65-F5344CB8AC3E}">
+        <p14:creationId xmlns:p14="http://schemas.microsoft.com/office/powerpoint/2010/main" val="4213077033"/>
+      </p:ext>
+    </p:extLst>
   </p:cSld>
   <p:clrMapOvr>
     <a:masterClrMapping/>
@@ -1865,7 +1595,7 @@
   <p:cSld>
     <p:spTree>
       <p:nvGrpSpPr>
-        <p:cNvPr id="1" name="Shape 99"/>
+        <p:cNvPr id="1" name="Shape 119"/>
         <p:cNvGrpSpPr/>
         <p:nvPr/>
       </p:nvGrpSpPr>
@@ -1879,7 +1609,7 @@
       </p:grpSpPr>
       <p:sp>
         <p:nvSpPr>
-          <p:cNvPr id="100" name="Google Shape;100;g4c60e45ca6_0_33:notes"/>
+          <p:cNvPr id="120" name="Google Shape;120;g4c60e45ca6_0_38:notes"/>
           <p:cNvSpPr>
             <a:spLocks noGrp="1" noRot="1" noChangeAspect="1"/>
           </p:cNvSpPr>
@@ -1920,7 +1650,7 @@
       </p:sp>
       <p:sp>
         <p:nvSpPr>
-          <p:cNvPr id="101" name="Google Shape;101;g4c60e45ca6_0_33:notes"/>
+          <p:cNvPr id="121" name="Google Shape;121;g4c60e45ca6_0_38:notes"/>
           <p:cNvSpPr txBox="1">
             <a:spLocks noGrp="1"/>
           </p:cNvSpPr>
@@ -1957,6 +1687,11 @@
         </p:txBody>
       </p:sp>
     </p:spTree>
+    <p:extLst>
+      <p:ext uri="{BB962C8B-B14F-4D97-AF65-F5344CB8AC3E}">
+        <p14:creationId xmlns:p14="http://schemas.microsoft.com/office/powerpoint/2010/main" val="243280559"/>
+      </p:ext>
+    </p:extLst>
   </p:cSld>
   <p:clrMapOvr>
     <a:masterClrMapping/>
@@ -1969,7 +1704,7 @@
   <p:cSld>
     <p:spTree>
       <p:nvGrpSpPr>
-        <p:cNvPr id="1" name="Shape 105"/>
+        <p:cNvPr id="1" name="Shape 125"/>
         <p:cNvGrpSpPr/>
         <p:nvPr/>
       </p:nvGrpSpPr>
@@ -1983,7 +1718,7 @@
       </p:grpSpPr>
       <p:sp>
         <p:nvSpPr>
-          <p:cNvPr id="106" name="Google Shape;106;g56170f2005_0_0:notes"/>
+          <p:cNvPr id="126" name="Google Shape;126;g4c60e45ca6_0_44:notes"/>
           <p:cNvSpPr>
             <a:spLocks noGrp="1" noRot="1" noChangeAspect="1"/>
           </p:cNvSpPr>
@@ -2024,7 +1759,7 @@
       </p:sp>
       <p:sp>
         <p:nvSpPr>
-          <p:cNvPr id="107" name="Google Shape;107;g56170f2005_0_0:notes"/>
+          <p:cNvPr id="127" name="Google Shape;127;g4c60e45ca6_0_44:notes"/>
           <p:cNvSpPr txBox="1">
             <a:spLocks noGrp="1"/>
           </p:cNvSpPr>
@@ -2061,6 +1796,11 @@
         </p:txBody>
       </p:sp>
     </p:spTree>
+    <p:extLst>
+      <p:ext uri="{BB962C8B-B14F-4D97-AF65-F5344CB8AC3E}">
+        <p14:creationId xmlns:p14="http://schemas.microsoft.com/office/powerpoint/2010/main" val="3908872464"/>
+      </p:ext>
+    </p:extLst>
   </p:cSld>
   <p:clrMapOvr>
     <a:masterClrMapping/>
@@ -7956,10 +7696,10 @@
               <a:buNone/>
             </a:pPr>
             <a:r>
-              <a:rPr lang="en-GB"/>
+              <a:rPr lang="en-GB" dirty="0"/>
               <a:t>Git. Demo</a:t>
             </a:r>
-            <a:endParaRPr/>
+            <a:endParaRPr dirty="0"/>
           </a:p>
         </p:txBody>
       </p:sp>
@@ -8249,522 +7989,6 @@
   <p:cSld>
     <p:spTree>
       <p:nvGrpSpPr>
-        <p:cNvPr id="1" name="Shape 102"/>
-        <p:cNvGrpSpPr/>
-        <p:nvPr/>
-      </p:nvGrpSpPr>
-      <p:grpSpPr>
-        <a:xfrm>
-          <a:off x="0" y="0"/>
-          <a:ext cx="0" cy="0"/>
-          <a:chOff x="0" y="0"/>
-          <a:chExt cx="0" cy="0"/>
-        </a:xfrm>
-      </p:grpSpPr>
-      <p:sp>
-        <p:nvSpPr>
-          <p:cNvPr id="103" name="Google Shape;103;p20"/>
-          <p:cNvSpPr txBox="1">
-            <a:spLocks noGrp="1"/>
-          </p:cNvSpPr>
-          <p:nvPr>
-            <p:ph type="title"/>
-          </p:nvPr>
-        </p:nvSpPr>
-        <p:spPr>
-          <a:xfrm>
-            <a:off x="311700" y="445025"/>
-            <a:ext cx="8520600" cy="572700"/>
-          </a:xfrm>
-          <a:prstGeom prst="rect">
-            <a:avLst/>
-          </a:prstGeom>
-        </p:spPr>
-        <p:txBody>
-          <a:bodyPr spcFirstLastPara="1" wrap="square" lIns="91425" tIns="91425" rIns="91425" bIns="91425" anchor="t" anchorCtr="0">
-            <a:noAutofit/>
-          </a:bodyPr>
-          <a:lstStyle/>
-          <a:p>
-            <a:pPr marL="0" lvl="0" indent="0" algn="l" rtl="0">
-              <a:spcBef>
-                <a:spcPts val="0"/>
-              </a:spcBef>
-              <a:spcAft>
-                <a:spcPts val="0"/>
-              </a:spcAft>
-              <a:buNone/>
-            </a:pPr>
-            <a:r>
-              <a:rPr lang="en-GB"/>
-              <a:t>Git. Branches</a:t>
-            </a:r>
-            <a:endParaRPr/>
-          </a:p>
-        </p:txBody>
-      </p:sp>
-      <p:sp>
-        <p:nvSpPr>
-          <p:cNvPr id="104" name="Google Shape;104;p20"/>
-          <p:cNvSpPr txBox="1">
-            <a:spLocks noGrp="1"/>
-          </p:cNvSpPr>
-          <p:nvPr>
-            <p:ph type="body" idx="1"/>
-          </p:nvPr>
-        </p:nvSpPr>
-        <p:spPr>
-          <a:xfrm>
-            <a:off x="311700" y="1152475"/>
-            <a:ext cx="8520600" cy="3416400"/>
-          </a:xfrm>
-          <a:prstGeom prst="rect">
-            <a:avLst/>
-          </a:prstGeom>
-        </p:spPr>
-        <p:txBody>
-          <a:bodyPr spcFirstLastPara="1" wrap="square" lIns="91425" tIns="91425" rIns="91425" bIns="91425" anchor="t" anchorCtr="0">
-            <a:noAutofit/>
-          </a:bodyPr>
-          <a:lstStyle/>
-          <a:p>
-            <a:pPr marL="0" lvl="0" indent="0" algn="l" rtl="0">
-              <a:spcBef>
-                <a:spcPts val="0"/>
-              </a:spcBef>
-              <a:spcAft>
-                <a:spcPts val="0"/>
-              </a:spcAft>
-              <a:buNone/>
-            </a:pPr>
-            <a:r>
-              <a:rPr lang="en-GB"/>
-              <a:t>Branches orchestration </a:t>
-            </a:r>
-            <a:endParaRPr/>
-          </a:p>
-          <a:p>
-            <a:pPr marL="457200" lvl="0" indent="-342900" algn="l" rtl="0">
-              <a:spcBef>
-                <a:spcPts val="1600"/>
-              </a:spcBef>
-              <a:spcAft>
-                <a:spcPts val="0"/>
-              </a:spcAft>
-              <a:buSzPts val="1800"/>
-              <a:buChar char="●"/>
-            </a:pPr>
-            <a:r>
-              <a:rPr lang="en-GB"/>
-              <a:t>First branch: master</a:t>
-            </a:r>
-            <a:endParaRPr/>
-          </a:p>
-          <a:p>
-            <a:pPr marL="457200" lvl="0" indent="-342900" algn="l" rtl="0">
-              <a:spcBef>
-                <a:spcPts val="0"/>
-              </a:spcBef>
-              <a:spcAft>
-                <a:spcPts val="0"/>
-              </a:spcAft>
-              <a:buSzPts val="1800"/>
-              <a:buChar char="●"/>
-            </a:pPr>
-            <a:r>
-              <a:rPr lang="en-GB"/>
-              <a:t>Organise all main branches</a:t>
-            </a:r>
-            <a:endParaRPr/>
-          </a:p>
-          <a:p>
-            <a:pPr marL="457200" lvl="0" indent="-342900" algn="l" rtl="0">
-              <a:spcBef>
-                <a:spcPts val="0"/>
-              </a:spcBef>
-              <a:spcAft>
-                <a:spcPts val="0"/>
-              </a:spcAft>
-              <a:buSzPts val="1800"/>
-              <a:buChar char="●"/>
-            </a:pPr>
-            <a:r>
-              <a:rPr lang="en-GB"/>
-              <a:t>Create rules for branch name pattern</a:t>
-            </a:r>
-            <a:endParaRPr/>
-          </a:p>
-          <a:p>
-            <a:pPr marL="0" lvl="0" indent="0" algn="l" rtl="0">
-              <a:spcBef>
-                <a:spcPts val="1600"/>
-              </a:spcBef>
-              <a:spcAft>
-                <a:spcPts val="0"/>
-              </a:spcAft>
-              <a:buNone/>
-            </a:pPr>
-            <a:r>
-              <a:rPr lang="en-GB"/>
-              <a:t>Example:</a:t>
-            </a:r>
-            <a:endParaRPr/>
-          </a:p>
-          <a:p>
-            <a:pPr marL="457200" lvl="0" indent="-342900" algn="l" rtl="0">
-              <a:spcBef>
-                <a:spcPts val="1600"/>
-              </a:spcBef>
-              <a:spcAft>
-                <a:spcPts val="0"/>
-              </a:spcAft>
-              <a:buSzPts val="1800"/>
-              <a:buChar char="●"/>
-            </a:pPr>
-            <a:r>
-              <a:rPr lang="en-GB"/>
-              <a:t>master </a:t>
-            </a:r>
-            <a:endParaRPr/>
-          </a:p>
-          <a:p>
-            <a:pPr marL="914400" lvl="1" indent="-317500" algn="l" rtl="0">
-              <a:spcBef>
-                <a:spcPts val="0"/>
-              </a:spcBef>
-              <a:spcAft>
-                <a:spcPts val="0"/>
-              </a:spcAft>
-              <a:buSzPts val="1400"/>
-              <a:buChar char="○"/>
-            </a:pPr>
-            <a:r>
-              <a:rPr lang="en-GB"/>
-              <a:t>&lt;sprint-X&gt;</a:t>
-            </a:r>
-            <a:endParaRPr/>
-          </a:p>
-          <a:p>
-            <a:pPr marL="1371600" lvl="2" indent="-317500" algn="l" rtl="0">
-              <a:spcBef>
-                <a:spcPts val="0"/>
-              </a:spcBef>
-              <a:spcAft>
-                <a:spcPts val="0"/>
-              </a:spcAft>
-              <a:buSzPts val="1400"/>
-              <a:buChar char="■"/>
-            </a:pPr>
-            <a:r>
-              <a:rPr lang="en-GB"/>
-              <a:t>&lt;TICKET-X&gt;</a:t>
-            </a:r>
-            <a:endParaRPr/>
-          </a:p>
-        </p:txBody>
-      </p:sp>
-    </p:spTree>
-  </p:cSld>
-  <p:clrMapOvr>
-    <a:masterClrMapping/>
-  </p:clrMapOvr>
-  <p:timing>
-    <p:tnLst>
-      <p:par>
-        <p:cTn id="1" dur="indefinite" restart="never" nodeType="tmRoot"/>
-      </p:par>
-    </p:tnLst>
-  </p:timing>
-</p:sld>
-</file>
-
-<file path=ppt/slides/slide14.xml><?xml version="1.0" encoding="utf-8"?>
-<p:sld xmlns:a="http://schemas.openxmlformats.org/drawingml/2006/main" xmlns:r="http://schemas.openxmlformats.org/officeDocument/2006/relationships" xmlns:p="http://schemas.openxmlformats.org/presentationml/2006/main">
-  <p:cSld>
-    <p:spTree>
-      <p:nvGrpSpPr>
-        <p:cNvPr id="1" name="Shape 108"/>
-        <p:cNvGrpSpPr/>
-        <p:nvPr/>
-      </p:nvGrpSpPr>
-      <p:grpSpPr>
-        <a:xfrm>
-          <a:off x="0" y="0"/>
-          <a:ext cx="0" cy="0"/>
-          <a:chOff x="0" y="0"/>
-          <a:chExt cx="0" cy="0"/>
-        </a:xfrm>
-      </p:grpSpPr>
-      <p:sp>
-        <p:nvSpPr>
-          <p:cNvPr id="109" name="Google Shape;109;p21"/>
-          <p:cNvSpPr txBox="1">
-            <a:spLocks noGrp="1"/>
-          </p:cNvSpPr>
-          <p:nvPr>
-            <p:ph type="title"/>
-          </p:nvPr>
-        </p:nvSpPr>
-        <p:spPr>
-          <a:xfrm>
-            <a:off x="311700" y="445025"/>
-            <a:ext cx="8520600" cy="572700"/>
-          </a:xfrm>
-          <a:prstGeom prst="rect">
-            <a:avLst/>
-          </a:prstGeom>
-        </p:spPr>
-        <p:txBody>
-          <a:bodyPr spcFirstLastPara="1" wrap="square" lIns="91425" tIns="91425" rIns="91425" bIns="91425" anchor="t" anchorCtr="0">
-            <a:noAutofit/>
-          </a:bodyPr>
-          <a:lstStyle/>
-          <a:p>
-            <a:pPr marL="0" lvl="0" indent="0" algn="l" rtl="0">
-              <a:spcBef>
-                <a:spcPts val="0"/>
-              </a:spcBef>
-              <a:spcAft>
-                <a:spcPts val="0"/>
-              </a:spcAft>
-              <a:buNone/>
-            </a:pPr>
-            <a:r>
-              <a:rPr lang="en-GB"/>
-              <a:t>Git. Branches</a:t>
-            </a:r>
-            <a:endParaRPr/>
-          </a:p>
-        </p:txBody>
-      </p:sp>
-      <p:sp>
-        <p:nvSpPr>
-          <p:cNvPr id="110" name="Google Shape;110;p21"/>
-          <p:cNvSpPr txBox="1">
-            <a:spLocks noGrp="1"/>
-          </p:cNvSpPr>
-          <p:nvPr>
-            <p:ph type="body" idx="1"/>
-          </p:nvPr>
-        </p:nvSpPr>
-        <p:spPr>
-          <a:xfrm>
-            <a:off x="311700" y="1152475"/>
-            <a:ext cx="8520600" cy="3416400"/>
-          </a:xfrm>
-          <a:prstGeom prst="rect">
-            <a:avLst/>
-          </a:prstGeom>
-        </p:spPr>
-        <p:txBody>
-          <a:bodyPr spcFirstLastPara="1" wrap="square" lIns="91425" tIns="91425" rIns="91425" bIns="91425" anchor="t" anchorCtr="0">
-            <a:noAutofit/>
-          </a:bodyPr>
-          <a:lstStyle/>
-          <a:p>
-            <a:pPr marL="1371600" lvl="2" indent="-317500" algn="l" rtl="0">
-              <a:spcBef>
-                <a:spcPts val="0"/>
-              </a:spcBef>
-              <a:spcAft>
-                <a:spcPts val="0"/>
-              </a:spcAft>
-              <a:buSzPts val="1400"/>
-              <a:buChar char="■"/>
-            </a:pPr>
-            <a:endParaRPr/>
-          </a:p>
-        </p:txBody>
-      </p:sp>
-      <p:pic>
-        <p:nvPicPr>
-          <p:cNvPr id="111" name="Google Shape;111;p21"/>
-          <p:cNvPicPr preferRelativeResize="0"/>
-          <p:nvPr/>
-        </p:nvPicPr>
-        <p:blipFill>
-          <a:blip r:embed="rId3">
-            <a:alphaModFix/>
-          </a:blip>
-          <a:stretch>
-            <a:fillRect/>
-          </a:stretch>
-        </p:blipFill>
-        <p:spPr>
-          <a:xfrm>
-            <a:off x="897525" y="1017725"/>
-            <a:ext cx="7139500" cy="4015951"/>
-          </a:xfrm>
-          <a:prstGeom prst="rect">
-            <a:avLst/>
-          </a:prstGeom>
-          <a:noFill/>
-          <a:ln>
-            <a:noFill/>
-          </a:ln>
-        </p:spPr>
-      </p:pic>
-    </p:spTree>
-  </p:cSld>
-  <p:clrMapOvr>
-    <a:masterClrMapping/>
-  </p:clrMapOvr>
-  <p:timing>
-    <p:tnLst>
-      <p:par>
-        <p:cTn id="1" dur="indefinite" restart="never" nodeType="tmRoot"/>
-      </p:par>
-    </p:tnLst>
-  </p:timing>
-</p:sld>
-</file>
-
-<file path=ppt/slides/slide15.xml><?xml version="1.0" encoding="utf-8"?>
-<p:sld xmlns:a="http://schemas.openxmlformats.org/drawingml/2006/main" xmlns:r="http://schemas.openxmlformats.org/officeDocument/2006/relationships" xmlns:p="http://schemas.openxmlformats.org/presentationml/2006/main">
-  <p:cSld>
-    <p:spTree>
-      <p:nvGrpSpPr>
-        <p:cNvPr id="1" name="Shape 115"/>
-        <p:cNvGrpSpPr/>
-        <p:nvPr/>
-      </p:nvGrpSpPr>
-      <p:grpSpPr>
-        <a:xfrm>
-          <a:off x="0" y="0"/>
-          <a:ext cx="0" cy="0"/>
-          <a:chOff x="0" y="0"/>
-          <a:chExt cx="0" cy="0"/>
-        </a:xfrm>
-      </p:grpSpPr>
-      <p:sp>
-        <p:nvSpPr>
-          <p:cNvPr id="116" name="Google Shape;116;p22"/>
-          <p:cNvSpPr txBox="1">
-            <a:spLocks noGrp="1"/>
-          </p:cNvSpPr>
-          <p:nvPr>
-            <p:ph type="title"/>
-          </p:nvPr>
-        </p:nvSpPr>
-        <p:spPr>
-          <a:xfrm>
-            <a:off x="311700" y="445025"/>
-            <a:ext cx="8520600" cy="572700"/>
-          </a:xfrm>
-          <a:prstGeom prst="rect">
-            <a:avLst/>
-          </a:prstGeom>
-        </p:spPr>
-        <p:txBody>
-          <a:bodyPr spcFirstLastPara="1" wrap="square" lIns="91425" tIns="91425" rIns="91425" bIns="91425" anchor="t" anchorCtr="0">
-            <a:noAutofit/>
-          </a:bodyPr>
-          <a:lstStyle/>
-          <a:p>
-            <a:pPr marL="0" lvl="0" indent="0" algn="l" rtl="0">
-              <a:spcBef>
-                <a:spcPts val="0"/>
-              </a:spcBef>
-              <a:spcAft>
-                <a:spcPts val="0"/>
-              </a:spcAft>
-              <a:buNone/>
-            </a:pPr>
-            <a:r>
-              <a:rPr lang="en-GB"/>
-              <a:t>Git. Branches. Girflow</a:t>
-            </a:r>
-            <a:endParaRPr/>
-          </a:p>
-        </p:txBody>
-      </p:sp>
-      <p:sp>
-        <p:nvSpPr>
-          <p:cNvPr id="117" name="Google Shape;117;p22"/>
-          <p:cNvSpPr txBox="1">
-            <a:spLocks noGrp="1"/>
-          </p:cNvSpPr>
-          <p:nvPr>
-            <p:ph type="body" idx="1"/>
-          </p:nvPr>
-        </p:nvSpPr>
-        <p:spPr>
-          <a:xfrm>
-            <a:off x="311700" y="1152475"/>
-            <a:ext cx="8520600" cy="3416400"/>
-          </a:xfrm>
-          <a:prstGeom prst="rect">
-            <a:avLst/>
-          </a:prstGeom>
-        </p:spPr>
-        <p:txBody>
-          <a:bodyPr spcFirstLastPara="1" wrap="square" lIns="91425" tIns="91425" rIns="91425" bIns="91425" anchor="t" anchorCtr="0">
-            <a:noAutofit/>
-          </a:bodyPr>
-          <a:lstStyle/>
-          <a:p>
-            <a:pPr marL="1371600" lvl="2" indent="-317500" algn="l" rtl="0">
-              <a:spcBef>
-                <a:spcPts val="0"/>
-              </a:spcBef>
-              <a:spcAft>
-                <a:spcPts val="0"/>
-              </a:spcAft>
-              <a:buSzPts val="1400"/>
-              <a:buChar char="■"/>
-            </a:pPr>
-            <a:endParaRPr/>
-          </a:p>
-        </p:txBody>
-      </p:sp>
-      <p:pic>
-        <p:nvPicPr>
-          <p:cNvPr id="118" name="Google Shape;118;p22"/>
-          <p:cNvPicPr preferRelativeResize="0"/>
-          <p:nvPr/>
-        </p:nvPicPr>
-        <p:blipFill>
-          <a:blip r:embed="rId3">
-            <a:alphaModFix/>
-          </a:blip>
-          <a:stretch>
-            <a:fillRect/>
-          </a:stretch>
-        </p:blipFill>
-        <p:spPr>
-          <a:xfrm>
-            <a:off x="1561250" y="920975"/>
-            <a:ext cx="5843969" cy="4120975"/>
-          </a:xfrm>
-          <a:prstGeom prst="rect">
-            <a:avLst/>
-          </a:prstGeom>
-          <a:noFill/>
-          <a:ln>
-            <a:noFill/>
-          </a:ln>
-        </p:spPr>
-      </p:pic>
-    </p:spTree>
-  </p:cSld>
-  <p:clrMapOvr>
-    <a:masterClrMapping/>
-  </p:clrMapOvr>
-  <p:timing>
-    <p:tnLst>
-      <p:par>
-        <p:cTn id="1" dur="indefinite" restart="never" nodeType="tmRoot"/>
-      </p:par>
-    </p:tnLst>
-  </p:timing>
-</p:sld>
-</file>
-
-<file path=ppt/slides/slide16.xml><?xml version="1.0" encoding="utf-8"?>
-<p:sld xmlns:a="http://schemas.openxmlformats.org/drawingml/2006/main" xmlns:r="http://schemas.openxmlformats.org/officeDocument/2006/relationships" xmlns:p="http://schemas.openxmlformats.org/presentationml/2006/main">
-  <p:cSld>
-    <p:spTree>
-      <p:nvGrpSpPr>
         <p:cNvPr id="1" name="Shape 122"/>
         <p:cNvGrpSpPr/>
         <p:nvPr/>
@@ -8945,7 +8169,7 @@
 </p:sld>
 </file>
 
-<file path=ppt/slides/slide17.xml><?xml version="1.0" encoding="utf-8"?>
+<file path=ppt/slides/slide14.xml><?xml version="1.0" encoding="utf-8"?>
 <p:sld xmlns:a="http://schemas.openxmlformats.org/drawingml/2006/main" xmlns:r="http://schemas.openxmlformats.org/officeDocument/2006/relationships" xmlns:p="http://schemas.openxmlformats.org/presentationml/2006/main">
   <p:cSld>
     <p:spTree>
@@ -9127,7 +8351,7 @@
 </p:sld>
 </file>
 
-<file path=ppt/slides/slide18.xml><?xml version="1.0" encoding="utf-8"?>
+<file path=ppt/slides/slide15.xml><?xml version="1.0" encoding="utf-8"?>
 <p:sld xmlns:a="http://schemas.openxmlformats.org/drawingml/2006/main" xmlns:r="http://schemas.openxmlformats.org/officeDocument/2006/relationships" xmlns:p="http://schemas.openxmlformats.org/presentationml/2006/main">
   <p:cSld>
     <p:spTree>
@@ -9651,53 +8875,57 @@
             <a:endParaRPr dirty="0"/>
           </a:p>
           <a:p>
-            <a:pPr marL="457200" lvl="0" indent="-342900" algn="l" rtl="0">
-              <a:spcBef>
-                <a:spcPts val="0"/>
-              </a:spcBef>
-              <a:spcAft>
-                <a:spcPts val="0"/>
-              </a:spcAft>
-              <a:buSzPts val="1800"/>
-              <a:buChar char="●"/>
-            </a:pPr>
-            <a:r>
-              <a:rPr lang="en-GB" dirty="0" err="1" smtClean="0"/>
-              <a:t>Init</a:t>
-            </a:r>
-            <a:endParaRPr dirty="0"/>
-          </a:p>
-          <a:p>
-            <a:pPr marL="457200" lvl="0" indent="-342900" algn="l" rtl="0">
-              <a:spcBef>
-                <a:spcPts val="0"/>
-              </a:spcBef>
-              <a:spcAft>
-                <a:spcPts val="0"/>
-              </a:spcAft>
-              <a:buSzPts val="1800"/>
-              <a:buChar char="●"/>
-            </a:pPr>
-            <a:r>
-              <a:rPr lang="en-GB" dirty="0" err="1"/>
-              <a:t>Commt</a:t>
-            </a:r>
-            <a:endParaRPr dirty="0"/>
-          </a:p>
-          <a:p>
-            <a:pPr marL="457200" lvl="0" indent="-342900" algn="l" rtl="0">
-              <a:spcBef>
-                <a:spcPts val="0"/>
-              </a:spcBef>
-              <a:spcAft>
-                <a:spcPts val="0"/>
-              </a:spcAft>
-              <a:buSzPts val="1800"/>
-              <a:buChar char="●"/>
-            </a:pPr>
+            <a:pPr lvl="0"/>
+            <a:r>
+              <a:rPr lang="ru-RU" dirty="0"/>
+              <a:t>Структура </a:t>
+            </a:r>
+            <a:r>
+              <a:rPr lang="en-US" dirty="0" smtClean="0"/>
+              <a:t>GIT</a:t>
+            </a:r>
+            <a:r>
+              <a:rPr lang="ru-RU" dirty="0" smtClean="0"/>
+              <a:t>. </a:t>
+            </a:r>
+            <a:r>
+              <a:rPr lang="ru-RU" dirty="0"/>
+              <a:t>Состояние </a:t>
+            </a:r>
             <a:r>
               <a:rPr lang="en-GB" dirty="0"/>
-              <a:t>Branches</a:t>
+              <a:t>G</a:t>
+            </a:r>
+            <a:r>
+              <a:rPr lang="en-US" dirty="0"/>
+              <a:t>IT</a:t>
+            </a:r>
+            <a:endParaRPr lang="ru-RU" dirty="0" smtClean="0"/>
+          </a:p>
+          <a:p>
+            <a:pPr lvl="0"/>
+            <a:r>
+              <a:rPr lang="ru-RU" dirty="0"/>
+              <a:t>Ветвление лучшие </a:t>
+            </a:r>
+            <a:r>
+              <a:rPr lang="ru-RU" dirty="0" smtClean="0"/>
+              <a:t>практики</a:t>
+            </a:r>
+          </a:p>
+          <a:p>
+            <a:pPr lvl="0"/>
+            <a:r>
+              <a:rPr lang="en-GB" dirty="0"/>
+              <a:t>Git. </a:t>
+            </a:r>
+            <a:r>
+              <a:rPr lang="en-GB" dirty="0" smtClean="0"/>
+              <a:t>Demo</a:t>
+            </a:r>
+            <a:r>
+              <a:rPr lang="ru-RU" dirty="0" smtClean="0"/>
+              <a:t> </a:t>
             </a:r>
             <a:endParaRPr dirty="0"/>
           </a:p>
@@ -10996,7 +10224,7 @@
         </p:nvSpPr>
         <p:spPr>
           <a:xfrm>
-            <a:off x="311700" y="1099466"/>
+            <a:off x="311700" y="894749"/>
             <a:ext cx="8520600" cy="3416400"/>
           </a:xfrm>
           <a:prstGeom prst="rect">
@@ -11249,14 +10477,7 @@
                 <a:latin typeface="Times New Roman" panose="02020603050405020304" pitchFamily="18" charset="0"/>
                 <a:cs typeface="Times New Roman" panose="02020603050405020304" pitchFamily="18" charset="0"/>
               </a:rPr>
-              <a:t>2</a:t>
-            </a:r>
-            <a:r>
-              <a:rPr lang="en-US" i="1" dirty="0" smtClean="0">
-                <a:latin typeface="Times New Roman" panose="02020603050405020304" pitchFamily="18" charset="0"/>
-                <a:cs typeface="Times New Roman" panose="02020603050405020304" pitchFamily="18" charset="0"/>
-              </a:rPr>
-              <a:t>. </a:t>
+              <a:t>2. </a:t>
             </a:r>
             <a:r>
               <a:rPr lang="ru-RU" i="1" dirty="0">
@@ -11289,14 +10510,7 @@
                 <a:latin typeface="Times New Roman" panose="02020603050405020304" pitchFamily="18" charset="0"/>
                 <a:cs typeface="Times New Roman" panose="02020603050405020304" pitchFamily="18" charset="0"/>
               </a:rPr>
-              <a:t>3</a:t>
-            </a:r>
-            <a:r>
-              <a:rPr lang="en-US" i="1" dirty="0" smtClean="0">
-                <a:latin typeface="Times New Roman" panose="02020603050405020304" pitchFamily="18" charset="0"/>
-                <a:cs typeface="Times New Roman" panose="02020603050405020304" pitchFamily="18" charset="0"/>
-              </a:rPr>
-              <a:t>. </a:t>
+              <a:t>3. </a:t>
             </a:r>
             <a:r>
               <a:rPr lang="ru-RU" i="1" dirty="0" smtClean="0">
